--- a/etc/0.개발진행/ETP스크리너.pptx
+++ b/etc/0.개발진행/ETP스크리너.pptx
@@ -115,10 +115,10 @@
   </p:defaultTextStyle>
   <p:extLst>
     <p:ext uri="{EFAFB233-063F-42B5-8137-9DF3F51BA10A}">
-      <p15:sldGuideLst xmlns="" xmlns:p15="http://schemas.microsoft.com/office/powerpoint/2012/main"/>
+      <p15:sldGuideLst xmlns:p15="http://schemas.microsoft.com/office/powerpoint/2012/main" xmlns=""/>
     </p:ext>
     <p:ext uri="{2D200454-40CA-4A62-9FC3-DE9A4176ACB9}">
-      <p15:notesGuideLst xmlns="" xmlns:p15="http://schemas.microsoft.com/office/powerpoint/2012/main"/>
+      <p15:notesGuideLst xmlns:p15="http://schemas.microsoft.com/office/powerpoint/2012/main" xmlns=""/>
     </p:ext>
   </p:extLst>
 </p:presentation>
@@ -3837,13 +3837,13 @@
           <p:nvPr>
             <p:extLst>
               <p:ext uri="{D42A27DB-BD31-4B8C-83A1-F6EECF244321}">
-                <p14:modId xmlns:p14="http://schemas.microsoft.com/office/powerpoint/2010/main" val="595679989"/>
+                <p14:modId xmlns:p14="http://schemas.microsoft.com/office/powerpoint/2010/main" val="1122936931"/>
               </p:ext>
             </p:extLst>
           </p:nvPr>
         </p:nvGraphicFramePr>
         <p:xfrm>
-          <a:off x="819150" y="1819275"/>
+          <a:off x="651510" y="379095"/>
           <a:ext cx="5562600" cy="1885950"/>
         </p:xfrm>
         <a:graphic>
@@ -4834,6 +4834,293 @@
           </a:graphicData>
         </a:graphic>
       </p:graphicFrame>
+      <p:sp>
+        <p:nvSpPr>
+          <p:cNvPr id="5" name="TextBox 4"/>
+          <p:cNvSpPr txBox="1"/>
+          <p:nvPr/>
+        </p:nvSpPr>
+        <p:spPr>
+          <a:xfrm>
+            <a:off x="533400" y="2628900"/>
+            <a:ext cx="6393180" cy="2554545"/>
+          </a:xfrm>
+          <a:prstGeom prst="rect">
+            <a:avLst/>
+          </a:prstGeom>
+          <a:noFill/>
+          <a:ln>
+            <a:solidFill>
+              <a:schemeClr val="accent1"/>
+            </a:solidFill>
+          </a:ln>
+        </p:spPr>
+        <p:txBody>
+          <a:bodyPr wrap="square" rtlCol="0">
+            <a:spAutoFit/>
+          </a:bodyPr>
+          <a:lstStyle/>
+          <a:p>
+            <a:r>
+              <a:rPr lang="en-US" altLang="ko-KR" sz="1000" smtClean="0"/>
+              <a:t>1. </a:t>
+            </a:r>
+            <a:r>
+              <a:rPr lang="ko-KR" altLang="en-US" sz="1000" smtClean="0"/>
+              <a:t>키워드</a:t>
+            </a:r>
+            <a:endParaRPr lang="en-US" altLang="ko-KR" sz="1000" smtClean="0"/>
+          </a:p>
+          <a:p>
+            <a:r>
+              <a:rPr lang="en-US" altLang="ko-KR" sz="1000"/>
+              <a:t> </a:t>
+            </a:r>
+            <a:r>
+              <a:rPr lang="en-US" altLang="ko-KR" sz="1000" smtClean="0"/>
+              <a:t>  td_etp_basic : F16002 like </a:t>
+            </a:r>
+            <a:r>
+              <a:rPr lang="ko-KR" altLang="en-US" sz="1000" smtClean="0"/>
+              <a:t>로 조회</a:t>
+            </a:r>
+            <a:endParaRPr lang="en-US" altLang="ko-KR" sz="1000" smtClean="0"/>
+          </a:p>
+          <a:p>
+            <a:endParaRPr lang="en-US" altLang="ko-KR" sz="1000" smtClean="0"/>
+          </a:p>
+          <a:p>
+            <a:r>
+              <a:rPr lang="en-US" altLang="ko-KR" sz="1000" smtClean="0"/>
+              <a:t>2. </a:t>
+            </a:r>
+            <a:r>
+              <a:rPr lang="ko-KR" altLang="en-US" sz="1000" smtClean="0"/>
+              <a:t>구성종목</a:t>
+            </a:r>
+            <a:endParaRPr lang="en-US" altLang="ko-KR" sz="1000" smtClean="0"/>
+          </a:p>
+          <a:p>
+            <a:r>
+              <a:rPr lang="en-US" altLang="ko-KR" sz="1000"/>
+              <a:t> </a:t>
+            </a:r>
+            <a:r>
+              <a:rPr lang="en-US" altLang="ko-KR" sz="1000" smtClean="0"/>
+              <a:t> 1) td_etfpdf_basic : </a:t>
+            </a:r>
+            <a:r>
+              <a:rPr lang="ko-KR" altLang="en-US" sz="1000" smtClean="0"/>
+              <a:t>최근날짜</a:t>
+            </a:r>
+            <a:r>
+              <a:rPr lang="en-US" altLang="ko-KR" sz="1000" smtClean="0"/>
+              <a:t>(max(F12506))</a:t>
+            </a:r>
+            <a:r>
+              <a:rPr lang="ko-KR" altLang="en-US" sz="1000"/>
+              <a:t> </a:t>
+            </a:r>
+            <a:endParaRPr lang="en-US" altLang="ko-KR" sz="1000" smtClean="0"/>
+          </a:p>
+          <a:p>
+            <a:r>
+              <a:rPr lang="en-US" altLang="ko-KR" sz="1000"/>
+              <a:t> </a:t>
+            </a:r>
+            <a:r>
+              <a:rPr lang="en-US" altLang="ko-KR" sz="1000" smtClean="0"/>
+              <a:t> 2) td_etfpdf_basic : F16316 </a:t>
+            </a:r>
+            <a:r>
+              <a:rPr lang="ko-KR" altLang="en-US" sz="1000" smtClean="0"/>
+              <a:t>이 </a:t>
+            </a:r>
+            <a:r>
+              <a:rPr lang="en-US" altLang="ko-KR" sz="1000" smtClean="0"/>
+              <a:t>td_kspjong_basic </a:t>
+            </a:r>
+            <a:r>
+              <a:rPr lang="ko-KR" altLang="en-US" sz="1000" smtClean="0"/>
+              <a:t>의 </a:t>
+            </a:r>
+            <a:r>
+              <a:rPr lang="en-US" altLang="ko-KR" sz="1000" smtClean="0"/>
+              <a:t>F16012 </a:t>
+            </a:r>
+            <a:r>
+              <a:rPr lang="ko-KR" altLang="en-US" sz="1000" smtClean="0"/>
+              <a:t>와 같은 종목</a:t>
+            </a:r>
+            <a:endParaRPr lang="en-US" altLang="ko-KR" sz="1000" smtClean="0"/>
+          </a:p>
+          <a:p>
+            <a:r>
+              <a:rPr lang="en-US" altLang="ko-KR" sz="1000"/>
+              <a:t> </a:t>
+            </a:r>
+            <a:r>
+              <a:rPr lang="en-US" altLang="ko-KR" sz="1000" smtClean="0"/>
+              <a:t> 3) td_etfpdf_basic : F34743 </a:t>
+            </a:r>
+            <a:r>
+              <a:rPr lang="ko-KR" altLang="en-US" sz="1000" smtClean="0"/>
+              <a:t>으로</a:t>
+            </a:r>
+            <a:r>
+              <a:rPr lang="en-US" altLang="ko-KR" sz="1000"/>
+              <a:t> </a:t>
+            </a:r>
+            <a:r>
+              <a:rPr lang="ko-KR" altLang="en-US" sz="1000" smtClean="0"/>
+              <a:t>검색 </a:t>
+            </a:r>
+            <a:r>
+              <a:rPr lang="en-US" altLang="ko-KR" sz="1000" smtClean="0"/>
+              <a:t>(ex, 15% </a:t>
+            </a:r>
+            <a:r>
+              <a:rPr lang="ko-KR" altLang="en-US" sz="1000" smtClean="0"/>
+              <a:t>이상이면 </a:t>
+            </a:r>
+            <a:r>
+              <a:rPr lang="en-US" altLang="ko-KR" sz="1000" smtClean="0"/>
+              <a:t>F34743</a:t>
+            </a:r>
+            <a:r>
+              <a:rPr lang="ko-KR" altLang="en-US" sz="1000" smtClean="0"/>
+              <a:t>이 </a:t>
+            </a:r>
+            <a:r>
+              <a:rPr lang="en-US" altLang="ko-KR" sz="1000" smtClean="0"/>
+              <a:t>1500 </a:t>
+            </a:r>
+            <a:r>
+              <a:rPr lang="ko-KR" altLang="en-US" sz="1000" smtClean="0"/>
+              <a:t>이상인 종목</a:t>
+            </a:r>
+            <a:r>
+              <a:rPr lang="en-US" altLang="ko-KR" sz="1000" smtClean="0"/>
+              <a:t>)</a:t>
+            </a:r>
+          </a:p>
+          <a:p>
+            <a:endParaRPr lang="en-US" altLang="ko-KR" sz="1000" smtClean="0"/>
+          </a:p>
+          <a:p>
+            <a:r>
+              <a:rPr lang="en-US" altLang="ko-KR" sz="1000" smtClean="0"/>
+              <a:t>3. </a:t>
+            </a:r>
+            <a:r>
+              <a:rPr lang="ko-KR" altLang="en-US" sz="1000" smtClean="0"/>
+              <a:t>성과</a:t>
+            </a:r>
+            <a:endParaRPr lang="en-US" altLang="ko-KR" sz="1000" smtClean="0"/>
+          </a:p>
+          <a:p>
+            <a:r>
+              <a:rPr lang="en-US" altLang="ko-KR" sz="1000"/>
+              <a:t> </a:t>
+            </a:r>
+            <a:r>
+              <a:rPr lang="en-US" altLang="ko-KR" sz="1000" smtClean="0"/>
+              <a:t>  td_etp_basic : W01001 </a:t>
+            </a:r>
+            <a:r>
+              <a:rPr lang="ko-KR" altLang="en-US" sz="1000" smtClean="0"/>
+              <a:t>이 </a:t>
+            </a:r>
+            <a:r>
+              <a:rPr lang="en-US" altLang="ko-KR" sz="1000" smtClean="0"/>
+              <a:t>1</a:t>
+            </a:r>
+            <a:r>
+              <a:rPr lang="ko-KR" altLang="en-US" sz="1000" smtClean="0"/>
+              <a:t>주수익률임</a:t>
+            </a:r>
+            <a:r>
+              <a:rPr lang="en-US" altLang="ko-KR" sz="1000" smtClean="0"/>
+              <a:t>. </a:t>
+            </a:r>
+            <a:r>
+              <a:rPr lang="ko-KR" altLang="en-US" sz="1000" smtClean="0"/>
+              <a:t>조건에 맞게 검색</a:t>
+            </a:r>
+            <a:endParaRPr lang="en-US" altLang="ko-KR" sz="1000" smtClean="0"/>
+          </a:p>
+          <a:p>
+            <a:endParaRPr lang="en-US" altLang="ko-KR" sz="1000" smtClean="0"/>
+          </a:p>
+          <a:p>
+            <a:r>
+              <a:rPr lang="en-US" altLang="ko-KR" sz="1000" smtClean="0"/>
+              <a:t>4. </a:t>
+            </a:r>
+            <a:r>
+              <a:rPr lang="ko-KR" altLang="en-US" sz="1000" smtClean="0"/>
+              <a:t>산업</a:t>
+            </a:r>
+            <a:endParaRPr lang="en-US" altLang="ko-KR" sz="1000" smtClean="0"/>
+          </a:p>
+          <a:p>
+            <a:r>
+              <a:rPr lang="en-US" altLang="ko-KR" sz="1000"/>
+              <a:t> </a:t>
+            </a:r>
+            <a:r>
+              <a:rPr lang="en-US" altLang="ko-KR" sz="1000" smtClean="0"/>
+              <a:t>  td_etp_sector : </a:t>
+            </a:r>
+            <a:r>
+              <a:rPr lang="ko-KR" altLang="en-US" sz="1000" smtClean="0"/>
+              <a:t>컬럼별 비중 정보 참조</a:t>
+            </a:r>
+            <a:endParaRPr lang="en-US" altLang="ko-KR" sz="1000" smtClean="0"/>
+          </a:p>
+          <a:p>
+            <a:endParaRPr lang="en-US" altLang="ko-KR" sz="1000" smtClean="0"/>
+          </a:p>
+          <a:p>
+            <a:r>
+              <a:rPr lang="en-US" altLang="ko-KR" sz="1000" smtClean="0"/>
+              <a:t>5. </a:t>
+            </a:r>
+            <a:r>
+              <a:rPr lang="ko-KR" altLang="en-US" sz="1000" smtClean="0"/>
+              <a:t>자금 유입</a:t>
+            </a:r>
+            <a:endParaRPr lang="en-US" altLang="ko-KR" sz="1000" smtClean="0"/>
+          </a:p>
+          <a:p>
+            <a:r>
+              <a:rPr lang="en-US" altLang="ko-KR" sz="1000" smtClean="0"/>
+              <a:t>   td_etp_basic : W00061 </a:t>
+            </a:r>
+            <a:r>
+              <a:rPr lang="ko-KR" altLang="en-US" sz="1000" smtClean="0"/>
+              <a:t>이 </a:t>
+            </a:r>
+            <a:r>
+              <a:rPr lang="en-US" altLang="ko-KR" sz="1000" smtClean="0"/>
+              <a:t>1</a:t>
+            </a:r>
+            <a:r>
+              <a:rPr lang="ko-KR" altLang="en-US" sz="1000" smtClean="0"/>
+              <a:t>주 자금유입</a:t>
+            </a:r>
+            <a:r>
+              <a:rPr lang="en-US" altLang="ko-KR" sz="1000" smtClean="0"/>
+              <a:t>. </a:t>
+            </a:r>
+            <a:r>
+              <a:rPr lang="ko-KR" altLang="en-US" sz="1000" smtClean="0"/>
+              <a:t>조건에 맞게 검색</a:t>
+            </a:r>
+            <a:endParaRPr lang="ko-KR" altLang="en-US" sz="1000"/>
+          </a:p>
+        </p:txBody>
+      </p:sp>
     </p:spTree>
     <p:extLst>
       <p:ext uri="{BB962C8B-B14F-4D97-AF65-F5344CB8AC3E}">
@@ -7253,7 +7540,7 @@
   <a:extraClrSchemeLst/>
   <a:extLst>
     <a:ext uri="{05A4C25C-085E-4340-85A3-A5531E510DB2}">
-      <thm15:themeFamily xmlns="" xmlns:thm15="http://schemas.microsoft.com/office/thememl/2012/main" name="Office Theme" id="{62F939B6-93AF-4DB8-9C6B-D6C7DFDC589F}" vid="{4A3C46E8-61CC-4603-A589-7422A47A8E4A}"/>
+      <thm15:themeFamily xmlns:thm15="http://schemas.microsoft.com/office/thememl/2012/main" xmlns="" name="Office Theme" id="{62F939B6-93AF-4DB8-9C6B-D6C7DFDC589F}" vid="{4A3C46E8-61CC-4603-A589-7422A47A8E4A}"/>
     </a:ext>
   </a:extLst>
 </a:theme>
@@ -7514,7 +7801,7 @@
   <a:extraClrSchemeLst/>
   <a:extLst>
     <a:ext uri="{05A4C25C-085E-4340-85A3-A5531E510DB2}">
-      <thm15:themeFamily xmlns="" xmlns:thm15="http://schemas.microsoft.com/office/thememl/2012/main" name="Office Theme" id="{62F939B6-93AF-4DB8-9C6B-D6C7DFDC589F}" vid="{4A3C46E8-61CC-4603-A589-7422A47A8E4A}"/>
+      <thm15:themeFamily xmlns:thm15="http://schemas.microsoft.com/office/thememl/2012/main" xmlns="" name="Office Theme" id="{62F939B6-93AF-4DB8-9C6B-D6C7DFDC589F}" vid="{4A3C46E8-61CC-4603-A589-7422A47A8E4A}"/>
     </a:ext>
   </a:extLst>
 </a:theme>
